--- a/Week2-Sept2/lec2-architecture-kotlin.pptx
+++ b/Week2-Sept2/lec2-architecture-kotlin.pptx
@@ -152,6 +152,35 @@
 </p:presentation>
 </file>
 
+<file path=ppt/changesInfos/changesInfo1.xml><?xml version="1.0" encoding="utf-8"?>
+<pc:chgInfo xmlns:a="http://schemas.openxmlformats.org/drawingml/2006/main" xmlns:r="http://schemas.openxmlformats.org/officeDocument/2006/relationships" xmlns:ac="http://schemas.microsoft.com/office/drawing/2013/main/command" xmlns:pc="http://schemas.microsoft.com/office/powerpoint/2013/main/command">
+  <pc:docChgLst>
+    <pc:chgData name="Tom DesRosiers" userId="78caa298f02bbfa0" providerId="LiveId" clId="{3F290BFE-2DD8-4181-B4C9-21AE2CE7FEC0}"/>
+    <pc:docChg chg="modSld">
+      <pc:chgData name="Tom DesRosiers" userId="78caa298f02bbfa0" providerId="LiveId" clId="{3F290BFE-2DD8-4181-B4C9-21AE2CE7FEC0}" dt="2024-09-12T00:58:55.364" v="5" actId="20577"/>
+      <pc:docMkLst>
+        <pc:docMk/>
+      </pc:docMkLst>
+      <pc:sldChg chg="modSp mod">
+        <pc:chgData name="Tom DesRosiers" userId="78caa298f02bbfa0" providerId="LiveId" clId="{3F290BFE-2DD8-4181-B4C9-21AE2CE7FEC0}" dt="2024-09-12T00:58:55.364" v="5" actId="20577"/>
+        <pc:sldMkLst>
+          <pc:docMk/>
+          <pc:sldMk cId="4225603779" sldId="265"/>
+        </pc:sldMkLst>
+        <pc:spChg chg="mod">
+          <ac:chgData name="Tom DesRosiers" userId="78caa298f02bbfa0" providerId="LiveId" clId="{3F290BFE-2DD8-4181-B4C9-21AE2CE7FEC0}" dt="2024-09-12T00:58:55.364" v="5" actId="20577"/>
+          <ac:spMkLst>
+            <pc:docMk/>
+            <pc:sldMk cId="4225603779" sldId="265"/>
+            <ac:spMk id="3" creationId="{FF14581D-E013-488E-9689-F6D3A1C33FD5}"/>
+          </ac:spMkLst>
+        </pc:spChg>
+      </pc:sldChg>
+    </pc:docChg>
+  </pc:docChgLst>
+</pc:chgInfo>
+</file>
+
 <file path=ppt/notesMasters/notesMaster1.xml><?xml version="1.0" encoding="utf-8"?>
 <p:notesMaster xmlns:a="http://schemas.openxmlformats.org/drawingml/2006/main" xmlns:r="http://schemas.openxmlformats.org/officeDocument/2006/relationships" xmlns:p="http://schemas.openxmlformats.org/presentationml/2006/main">
   <p:cSld>
@@ -234,7 +263,7 @@
           <a:p>
             <a:fld id="{5A3F27AD-6317-42EB-BB27-0666FC2CD88C}" type="datetimeFigureOut">
               <a:rPr lang="en-US" smtClean="0"/>
-              <a:t>1/3/2021</a:t>
+              <a:t>9/11/2024</a:t>
             </a:fld>
             <a:endParaRPr lang="en-US"/>
           </a:p>
@@ -970,7 +999,7 @@
           <a:p>
             <a:fld id="{67D16B0C-4D75-484B-AC8B-2B9B3E702630}" type="datetime1">
               <a:rPr lang="en-US" smtClean="0"/>
-              <a:t>1/3/2021</a:t>
+              <a:t>9/11/2024</a:t>
             </a:fld>
             <a:endParaRPr lang="en-US" dirty="0"/>
           </a:p>
@@ -1186,7 +1215,7 @@
           <a:p>
             <a:fld id="{6018A652-F7D9-4C61-8258-404FCB714F28}" type="datetime1">
               <a:rPr lang="en-US" smtClean="0"/>
-              <a:t>1/3/2021</a:t>
+              <a:t>9/11/2024</a:t>
             </a:fld>
             <a:endParaRPr lang="en-US" dirty="0"/>
           </a:p>
@@ -1789,7 +1818,7 @@
           <a:p>
             <a:fld id="{6F565E57-9A09-4FE2-A089-897784F5EF3D}" type="datetime1">
               <a:rPr lang="en-US" smtClean="0"/>
-              <a:t>1/3/2021</a:t>
+              <a:t>9/11/2024</a:t>
             </a:fld>
             <a:endParaRPr lang="en-US" dirty="0"/>
           </a:p>
@@ -2118,7 +2147,7 @@
           <a:p>
             <a:fld id="{947EDE40-FDD2-470A-9D53-43F77615E3B4}" type="datetime1">
               <a:rPr lang="en-US" smtClean="0"/>
-              <a:t>1/3/2021</a:t>
+              <a:t>9/11/2024</a:t>
             </a:fld>
             <a:endParaRPr lang="en-US" dirty="0"/>
           </a:p>
@@ -2559,7 +2588,7 @@
           <a:p>
             <a:fld id="{D72B5306-BCB1-48EB-866F-56494F6B1B17}" type="datetime1">
               <a:rPr lang="en-US" smtClean="0"/>
-              <a:t>1/3/2021</a:t>
+              <a:t>9/11/2024</a:t>
             </a:fld>
             <a:endParaRPr lang="en-US" dirty="0"/>
           </a:p>
@@ -2681,7 +2710,7 @@
           <a:p>
             <a:fld id="{7CDAA611-B228-4605-961C-90292694F123}" type="datetime1">
               <a:rPr lang="en-US" smtClean="0"/>
-              <a:t>1/3/2021</a:t>
+              <a:t>9/11/2024</a:t>
             </a:fld>
             <a:endParaRPr lang="en-US" dirty="0"/>
           </a:p>
@@ -2780,7 +2809,7 @@
           <a:p>
             <a:fld id="{BCA3D728-6ABA-4898-8492-7E617CD6102D}" type="datetime1">
               <a:rPr lang="en-US" smtClean="0"/>
-              <a:t>1/3/2021</a:t>
+              <a:t>9/11/2024</a:t>
             </a:fld>
             <a:endParaRPr lang="en-US" dirty="0"/>
           </a:p>
@@ -3201,7 +3230,7 @@
           <a:p>
             <a:fld id="{C76555EB-88A0-409B-BAF0-9FD8A21CD91E}" type="datetime1">
               <a:rPr lang="en-US" smtClean="0"/>
-              <a:t>1/3/2021</a:t>
+              <a:t>9/11/2024</a:t>
             </a:fld>
             <a:endParaRPr lang="en-US" dirty="0"/>
           </a:p>
@@ -3466,7 +3495,7 @@
           <a:p>
             <a:fld id="{C5C77A7F-110E-4F9D-9914-CD675993C02B}" type="datetime1">
               <a:rPr lang="en-US" smtClean="0"/>
-              <a:t>1/3/2021</a:t>
+              <a:t>9/11/2024</a:t>
             </a:fld>
             <a:endParaRPr lang="en-US" dirty="0"/>
           </a:p>
@@ -3986,7 +4015,7 @@
           <a:p>
             <a:fld id="{7257BB61-1923-471C-A658-64A7BE5C836E}" type="datetime1">
               <a:rPr lang="en-US" smtClean="0"/>
-              <a:t>1/3/2021</a:t>
+              <a:t>9/11/2024</a:t>
             </a:fld>
             <a:endParaRPr lang="en-US" dirty="0"/>
           </a:p>
@@ -4536,7 +4565,7 @@
                   <a:spcPts val="600"/>
                 </a:spcAft>
               </a:pPr>
-              <a:t>1/3/2021</a:t>
+              <a:t>9/11/2024</a:t>
             </a:fld>
             <a:endParaRPr lang="en-US"/>
           </a:p>
@@ -4861,7 +4890,7 @@
           <a:p>
             <a:fld id="{6018A652-F7D9-4C61-8258-404FCB714F28}" type="datetime1">
               <a:rPr lang="en-US" smtClean="0"/>
-              <a:t>1/3/2021</a:t>
+              <a:t>9/11/2024</a:t>
             </a:fld>
             <a:endParaRPr lang="en-US" dirty="0"/>
           </a:p>
@@ -5051,7 +5080,7 @@
           <a:p>
             <a:fld id="{6018A652-F7D9-4C61-8258-404FCB714F28}" type="datetime1">
               <a:rPr lang="en-US" smtClean="0"/>
-              <a:t>1/3/2021</a:t>
+              <a:t>9/11/2024</a:t>
             </a:fld>
             <a:endParaRPr lang="en-US" dirty="0"/>
           </a:p>
@@ -5212,7 +5241,7 @@
           <a:p>
             <a:fld id="{6018A652-F7D9-4C61-8258-404FCB714F28}" type="datetime1">
               <a:rPr lang="en-US" smtClean="0"/>
-              <a:t>1/3/2021</a:t>
+              <a:t>9/11/2024</a:t>
             </a:fld>
             <a:endParaRPr lang="en-US" dirty="0"/>
           </a:p>
@@ -5415,7 +5444,7 @@
           <a:p>
             <a:fld id="{6018A652-F7D9-4C61-8258-404FCB714F28}" type="datetime1">
               <a:rPr lang="en-US" smtClean="0"/>
-              <a:t>1/3/2021</a:t>
+              <a:t>9/11/2024</a:t>
             </a:fld>
             <a:endParaRPr lang="en-US" dirty="0"/>
           </a:p>
@@ -5574,7 +5603,7 @@
           <a:p>
             <a:fld id="{6018A652-F7D9-4C61-8258-404FCB714F28}" type="datetime1">
               <a:rPr lang="en-US" smtClean="0"/>
-              <a:t>1/3/2021</a:t>
+              <a:t>9/11/2024</a:t>
             </a:fld>
             <a:endParaRPr lang="en-US" dirty="0"/>
           </a:p>
@@ -5815,7 +5844,7 @@
           <a:p>
             <a:fld id="{6018A652-F7D9-4C61-8258-404FCB714F28}" type="datetime1">
               <a:rPr lang="en-US" smtClean="0"/>
-              <a:t>1/3/2021</a:t>
+              <a:t>9/11/2024</a:t>
             </a:fld>
             <a:endParaRPr lang="en-US" dirty="0"/>
           </a:p>
@@ -5994,7 +6023,7 @@
           <a:p>
             <a:fld id="{6018A652-F7D9-4C61-8258-404FCB714F28}" type="datetime1">
               <a:rPr lang="en-US" smtClean="0"/>
-              <a:t>1/3/2021</a:t>
+              <a:t>9/11/2024</a:t>
             </a:fld>
             <a:endParaRPr lang="en-US" dirty="0"/>
           </a:p>
@@ -6220,7 +6249,7 @@
           <a:p>
             <a:fld id="{6018A652-F7D9-4C61-8258-404FCB714F28}" type="datetime1">
               <a:rPr lang="en-US" smtClean="0"/>
-              <a:t>1/3/2021</a:t>
+              <a:t>9/11/2024</a:t>
             </a:fld>
             <a:endParaRPr lang="en-US" dirty="0"/>
           </a:p>
@@ -6543,7 +6572,7 @@
           <a:p>
             <a:fld id="{6018A652-F7D9-4C61-8258-404FCB714F28}" type="datetime1">
               <a:rPr lang="en-US" smtClean="0"/>
-              <a:t>1/3/2021</a:t>
+              <a:t>9/11/2024</a:t>
             </a:fld>
             <a:endParaRPr lang="en-US" dirty="0"/>
           </a:p>
@@ -6912,7 +6941,7 @@
           <a:p>
             <a:fld id="{6018A652-F7D9-4C61-8258-404FCB714F28}" type="datetime1">
               <a:rPr lang="en-US" smtClean="0"/>
-              <a:t>1/3/2021</a:t>
+              <a:t>9/11/2024</a:t>
             </a:fld>
             <a:endParaRPr lang="en-US" dirty="0"/>
           </a:p>
@@ -7071,7 +7100,7 @@
           <a:p>
             <a:fld id="{6018A652-F7D9-4C61-8258-404FCB714F28}" type="datetime1">
               <a:rPr lang="en-US" smtClean="0"/>
-              <a:t>1/3/2021</a:t>
+              <a:t>9/11/2024</a:t>
             </a:fld>
             <a:endParaRPr lang="en-US" dirty="0"/>
           </a:p>
@@ -7349,7 +7378,7 @@
           <a:p>
             <a:fld id="{6018A652-F7D9-4C61-8258-404FCB714F28}" type="datetime1">
               <a:rPr lang="en-US" smtClean="0"/>
-              <a:t>1/3/2021</a:t>
+              <a:t>9/11/2024</a:t>
             </a:fld>
             <a:endParaRPr lang="en-US" dirty="0"/>
           </a:p>
@@ -7717,7 +7746,7 @@
           <a:p>
             <a:fld id="{6018A652-F7D9-4C61-8258-404FCB714F28}" type="datetime1">
               <a:rPr lang="en-US" smtClean="0"/>
-              <a:t>1/3/2021</a:t>
+              <a:t>9/11/2024</a:t>
             </a:fld>
             <a:endParaRPr lang="en-US" dirty="0"/>
           </a:p>
@@ -7903,7 +7932,7 @@
           <a:p>
             <a:fld id="{6018A652-F7D9-4C61-8258-404FCB714F28}" type="datetime1">
               <a:rPr lang="en-US" smtClean="0"/>
-              <a:t>1/3/2021</a:t>
+              <a:t>9/11/2024</a:t>
             </a:fld>
             <a:endParaRPr lang="en-US" dirty="0"/>
           </a:p>
@@ -8284,7 +8313,7 @@
           <a:p>
             <a:fld id="{6018A652-F7D9-4C61-8258-404FCB714F28}" type="datetime1">
               <a:rPr lang="en-US" smtClean="0"/>
-              <a:t>1/3/2021</a:t>
+              <a:t>9/11/2024</a:t>
             </a:fld>
             <a:endParaRPr lang="en-US" dirty="0"/>
           </a:p>
@@ -8647,7 +8676,7 @@
                   <a:spcPts val="600"/>
                 </a:spcAft>
               </a:pPr>
-              <a:t>1/3/2021</a:t>
+              <a:t>9/11/2024</a:t>
             </a:fld>
             <a:endParaRPr lang="en-US"/>
           </a:p>
@@ -8960,7 +8989,7 @@
           <a:p>
             <a:fld id="{947EDE40-FDD2-470A-9D53-43F77615E3B4}" type="datetime1">
               <a:rPr lang="en-US" smtClean="0"/>
-              <a:t>1/3/2021</a:t>
+              <a:t>9/11/2024</a:t>
             </a:fld>
             <a:endParaRPr lang="en-US" dirty="0"/>
           </a:p>
@@ -9192,7 +9221,7 @@
           <a:p>
             <a:fld id="{6018A652-F7D9-4C61-8258-404FCB714F28}" type="datetime1">
               <a:rPr lang="en-US" smtClean="0"/>
-              <a:t>1/3/2021</a:t>
+              <a:t>9/11/2024</a:t>
             </a:fld>
             <a:endParaRPr lang="en-US" dirty="0"/>
           </a:p>
@@ -9727,7 +9756,7 @@
           <a:p>
             <a:fld id="{6018A652-F7D9-4C61-8258-404FCB714F28}" type="datetime1">
               <a:rPr lang="en-US" smtClean="0"/>
-              <a:t>1/3/2021</a:t>
+              <a:t>9/11/2024</a:t>
             </a:fld>
             <a:endParaRPr lang="en-US" dirty="0"/>
           </a:p>
@@ -10978,7 +11007,7 @@
           <a:p>
             <a:fld id="{6018A652-F7D9-4C61-8258-404FCB714F28}" type="datetime1">
               <a:rPr lang="en-US" smtClean="0"/>
-              <a:t>1/3/2021</a:t>
+              <a:t>9/11/2024</a:t>
             </a:fld>
             <a:endParaRPr lang="en-US" dirty="0"/>
           </a:p>
@@ -11155,7 +11184,7 @@
           <a:p>
             <a:fld id="{6018A652-F7D9-4C61-8258-404FCB714F28}" type="datetime1">
               <a:rPr lang="en-US" smtClean="0"/>
-              <a:t>1/3/2021</a:t>
+              <a:t>9/11/2024</a:t>
             </a:fld>
             <a:endParaRPr lang="en-US" dirty="0"/>
           </a:p>
@@ -11273,7 +11302,7 @@
           <a:p>
             <a:fld id="{6018A652-F7D9-4C61-8258-404FCB714F28}" type="datetime1">
               <a:rPr lang="en-US" smtClean="0"/>
-              <a:t>1/3/2021</a:t>
+              <a:t>9/11/2024</a:t>
             </a:fld>
             <a:endParaRPr lang="en-US" dirty="0"/>
           </a:p>
@@ -11626,7 +11655,7 @@
           <a:p>
             <a:fld id="{6018A652-F7D9-4C61-8258-404FCB714F28}" type="datetime1">
               <a:rPr lang="en-US" smtClean="0"/>
-              <a:t>1/3/2021</a:t>
+              <a:t>9/11/2024</a:t>
             </a:fld>
             <a:endParaRPr lang="en-US" dirty="0"/>
           </a:p>
@@ -11929,7 +11958,7 @@
           <a:p>
             <a:fld id="{6018A652-F7D9-4C61-8258-404FCB714F28}" type="datetime1">
               <a:rPr lang="en-US" smtClean="0"/>
-              <a:t>1/3/2021</a:t>
+              <a:t>9/11/2024</a:t>
             </a:fld>
             <a:endParaRPr lang="en-US" dirty="0"/>
           </a:p>
@@ -12248,7 +12277,7 @@
           <a:p>
             <a:fld id="{6018A652-F7D9-4C61-8258-404FCB714F28}" type="datetime1">
               <a:rPr lang="en-US" smtClean="0"/>
-              <a:t>1/3/2021</a:t>
+              <a:t>9/11/2024</a:t>
             </a:fld>
             <a:endParaRPr lang="en-US" dirty="0"/>
           </a:p>
@@ -12493,7 +12522,7 @@
           <a:p>
             <a:fld id="{6018A652-F7D9-4C61-8258-404FCB714F28}" type="datetime1">
               <a:rPr lang="en-US" smtClean="0"/>
-              <a:t>1/3/2021</a:t>
+              <a:t>9/11/2024</a:t>
             </a:fld>
             <a:endParaRPr lang="en-US" dirty="0"/>
           </a:p>
@@ -12722,7 +12751,7 @@
           <a:p>
             <a:fld id="{6018A652-F7D9-4C61-8258-404FCB714F28}" type="datetime1">
               <a:rPr lang="en-US" smtClean="0"/>
-              <a:t>1/3/2021</a:t>
+              <a:t>9/11/2024</a:t>
             </a:fld>
             <a:endParaRPr lang="en-US" dirty="0"/>
           </a:p>
@@ -13092,7 +13121,7 @@
           <a:p>
             <a:fld id="{6018A652-F7D9-4C61-8258-404FCB714F28}" type="datetime1">
               <a:rPr lang="en-US" smtClean="0"/>
-              <a:t>1/3/2021</a:t>
+              <a:t>9/11/2024</a:t>
             </a:fld>
             <a:endParaRPr lang="en-US" dirty="0"/>
           </a:p>
@@ -13393,7 +13422,7 @@
           <a:p>
             <a:fld id="{6018A652-F7D9-4C61-8258-404FCB714F28}" type="datetime1">
               <a:rPr lang="en-US" smtClean="0"/>
-              <a:t>1/3/2021</a:t>
+              <a:t>9/11/2024</a:t>
             </a:fld>
             <a:endParaRPr lang="en-US" dirty="0"/>
           </a:p>
@@ -13594,7 +13623,7 @@
           <a:p>
             <a:fld id="{6018A652-F7D9-4C61-8258-404FCB714F28}" type="datetime1">
               <a:rPr lang="en-US" smtClean="0"/>
-              <a:t>1/3/2021</a:t>
+              <a:t>9/11/2024</a:t>
             </a:fld>
             <a:endParaRPr lang="en-US" dirty="0"/>
           </a:p>
@@ -13856,7 +13885,7 @@
           <a:p>
             <a:fld id="{6018A652-F7D9-4C61-8258-404FCB714F28}" type="datetime1">
               <a:rPr lang="en-US" smtClean="0"/>
-              <a:t>1/3/2021</a:t>
+              <a:t>9/11/2024</a:t>
             </a:fld>
             <a:endParaRPr lang="en-US" dirty="0"/>
           </a:p>
@@ -14047,7 +14076,7 @@
           <a:p>
             <a:fld id="{6018A652-F7D9-4C61-8258-404FCB714F28}" type="datetime1">
               <a:rPr lang="en-US" smtClean="0"/>
-              <a:t>1/3/2021</a:t>
+              <a:t>9/11/2024</a:t>
             </a:fld>
             <a:endParaRPr lang="en-US" dirty="0"/>
           </a:p>
@@ -14338,7 +14367,7 @@
           <a:p>
             <a:fld id="{6018A652-F7D9-4C61-8258-404FCB714F28}" type="datetime1">
               <a:rPr lang="en-US" smtClean="0"/>
-              <a:t>1/3/2021</a:t>
+              <a:t>9/11/2024</a:t>
             </a:fld>
             <a:endParaRPr lang="en-US" dirty="0"/>
           </a:p>
@@ -14760,7 +14789,7 @@
           <a:p>
             <a:fld id="{6018A652-F7D9-4C61-8258-404FCB714F28}" type="datetime1">
               <a:rPr lang="en-US" smtClean="0"/>
-              <a:t>1/3/2021</a:t>
+              <a:t>9/11/2024</a:t>
             </a:fld>
             <a:endParaRPr lang="en-US" dirty="0"/>
           </a:p>
@@ -15139,7 +15168,7 @@
           <a:p>
             <a:fld id="{6018A652-F7D9-4C61-8258-404FCB714F28}" type="datetime1">
               <a:rPr lang="en-US" smtClean="0"/>
-              <a:t>1/3/2021</a:t>
+              <a:t>9/11/2024</a:t>
             </a:fld>
             <a:endParaRPr lang="en-US" dirty="0"/>
           </a:p>
@@ -15401,7 +15430,7 @@
           <a:p>
             <a:fld id="{6018A652-F7D9-4C61-8258-404FCB714F28}" type="datetime1">
               <a:rPr lang="en-US" smtClean="0"/>
-              <a:t>1/3/2021</a:t>
+              <a:t>9/11/2024</a:t>
             </a:fld>
             <a:endParaRPr lang="en-US" dirty="0"/>
           </a:p>
@@ -15633,8 +15662,12 @@
           <a:p>
             <a:pPr lvl="1"/>
             <a:r>
-              <a:rPr lang="en-US" dirty="0"/>
-              <a:t>These sections are called </a:t>
+              <a:rPr lang="en-US"/>
+              <a:t>These sections </a:t>
+            </a:r>
+            <a:r>
+              <a:rPr lang="en-US" dirty="0"/>
+              <a:t>are called </a:t>
             </a:r>
             <a:r>
               <a:rPr lang="en-US" b="1" dirty="0"/>
@@ -15667,7 +15700,7 @@
           <a:p>
             <a:fld id="{6018A652-F7D9-4C61-8258-404FCB714F28}" type="datetime1">
               <a:rPr lang="en-US" smtClean="0"/>
-              <a:t>1/3/2021</a:t>
+              <a:t>9/11/2024</a:t>
             </a:fld>
             <a:endParaRPr lang="en-US" dirty="0"/>
           </a:p>
@@ -16287,24 +16320,6 @@
 </file>
 
 <file path=customXml/item1.xml><?xml version="1.0" encoding="utf-8"?>
-<?mso-contentType ?>
-<FormTemplates xmlns="http://schemas.microsoft.com/sharepoint/v3/contenttype/forms">
-  <Display>DocumentLibraryForm</Display>
-  <Edit>DocumentLibraryForm</Edit>
-  <New>DocumentLibraryForm</New>
-</FormTemplates>
-</file>
-
-<file path=customXml/item2.xml><?xml version="1.0" encoding="utf-8"?>
-<p:properties xmlns:p="http://schemas.microsoft.com/office/2006/metadata/properties" xmlns:xsi="http://www.w3.org/2001/XMLSchema-instance" xmlns:pc="http://schemas.microsoft.com/office/infopath/2007/PartnerControls">
-  <documentManagement>
-    <Status xmlns="71af3243-3dd4-4a8d-8c0d-dd76da1f02a5">Not started</Status>
-    <MediaServiceKeyPoints xmlns="71af3243-3dd4-4a8d-8c0d-dd76da1f02a5" xsi:nil="true"/>
-  </documentManagement>
-</p:properties>
-</file>
-
-<file path=customXml/item3.xml><?xml version="1.0" encoding="utf-8"?>
 <ct:contentTypeSchema xmlns:ct="http://schemas.microsoft.com/office/2006/metadata/contentType" xmlns:ma="http://schemas.microsoft.com/office/2006/metadata/properties/metaAttributes" ct:_="" ma:_="" ma:contentTypeName="Document" ma:contentTypeID="0x01010079F111ED35F8CC479449609E8A0923A6" ma:contentTypeVersion="12" ma:contentTypeDescription="Create a new document." ma:contentTypeScope="" ma:versionID="a410dd7f93c95333ffa1b60ed6adedd1">
   <xsd:schema xmlns:xsd="http://www.w3.org/2001/XMLSchema" xmlns:xs="http://www.w3.org/2001/XMLSchema" xmlns:p="http://schemas.microsoft.com/office/2006/metadata/properties" xmlns:ns2="71af3243-3dd4-4a8d-8c0d-dd76da1f02a5" xmlns:ns3="16c05727-aa75-4e4a-9b5f-8a80a1165891" targetNamespace="http://schemas.microsoft.com/office/2006/metadata/properties" ma:root="true" ma:fieldsID="a936d9baba76aa3866493feff160faab" ns2:_="" ns3:_="">
     <xsd:import namespace="71af3243-3dd4-4a8d-8c0d-dd76da1f02a5"/>
@@ -16525,25 +16540,25 @@
 </ct:contentTypeSchema>
 </file>
 
-<file path=customXml/itemProps1.xml><?xml version="1.0" encoding="utf-8"?>
-<ds:datastoreItem xmlns:ds="http://schemas.openxmlformats.org/officeDocument/2006/customXml" ds:itemID="{CDB58277-F8DF-46FF-84EC-EF41B835E69F}">
-  <ds:schemaRefs>
-    <ds:schemaRef ds:uri="http://schemas.microsoft.com/sharepoint/v3/contenttype/forms"/>
-  </ds:schemaRefs>
-</ds:datastoreItem>
+<file path=customXml/item2.xml><?xml version="1.0" encoding="utf-8"?>
+<p:properties xmlns:p="http://schemas.microsoft.com/office/2006/metadata/properties" xmlns:xsi="http://www.w3.org/2001/XMLSchema-instance" xmlns:pc="http://schemas.microsoft.com/office/infopath/2007/PartnerControls">
+  <documentManagement>
+    <Status xmlns="71af3243-3dd4-4a8d-8c0d-dd76da1f02a5">Not started</Status>
+    <MediaServiceKeyPoints xmlns="71af3243-3dd4-4a8d-8c0d-dd76da1f02a5" xsi:nil="true"/>
+  </documentManagement>
+</p:properties>
 </file>
 
-<file path=customXml/itemProps2.xml><?xml version="1.0" encoding="utf-8"?>
-<ds:datastoreItem xmlns:ds="http://schemas.openxmlformats.org/officeDocument/2006/customXml" ds:itemID="{137651BA-F45C-4845-9AB3-E0A65B39F5E1}">
-  <ds:schemaRefs>
-    <ds:schemaRef ds:uri="http://schemas.microsoft.com/office/2006/metadata/properties"/>
-    <ds:schemaRef ds:uri="http://schemas.microsoft.com/office/infopath/2007/PartnerControls"/>
-    <ds:schemaRef ds:uri="71af3243-3dd4-4a8d-8c0d-dd76da1f02a5"/>
-  </ds:schemaRefs>
-</ds:datastoreItem>
+<file path=customXml/item3.xml><?xml version="1.0" encoding="utf-8"?>
+<?mso-contentType ?>
+<FormTemplates xmlns="http://schemas.microsoft.com/sharepoint/v3/contenttype/forms">
+  <Display>DocumentLibraryForm</Display>
+  <Edit>DocumentLibraryForm</Edit>
+  <New>DocumentLibraryForm</New>
+</FormTemplates>
 </file>
 
-<file path=customXml/itemProps3.xml><?xml version="1.0" encoding="utf-8"?>
+<file path=customXml/itemProps1.xml><?xml version="1.0" encoding="utf-8"?>
 <ds:datastoreItem xmlns:ds="http://schemas.openxmlformats.org/officeDocument/2006/customXml" ds:itemID="{2D276E62-80A3-44DD-9BCC-97ED2B99B57F}">
   <ds:schemaRefs>
     <ds:schemaRef ds:uri="http://schemas.microsoft.com/office/2006/metadata/contentType"/>
@@ -16560,4 +16575,22 @@
     <ds:schemaRef ds:uri="http://schemas.microsoft.com/internal/obd"/>
   </ds:schemaRefs>
 </ds:datastoreItem>
+</file>
+
+<file path=customXml/itemProps2.xml><?xml version="1.0" encoding="utf-8"?>
+<ds:datastoreItem xmlns:ds="http://schemas.openxmlformats.org/officeDocument/2006/customXml" ds:itemID="{137651BA-F45C-4845-9AB3-E0A65B39F5E1}">
+  <ds:schemaRefs>
+    <ds:schemaRef ds:uri="http://schemas.microsoft.com/office/2006/metadata/properties"/>
+    <ds:schemaRef ds:uri="http://schemas.microsoft.com/office/infopath/2007/PartnerControls"/>
+    <ds:schemaRef ds:uri="71af3243-3dd4-4a8d-8c0d-dd76da1f02a5"/>
+  </ds:schemaRefs>
+</ds:datastoreItem>
+</file>
+
+<file path=customXml/itemProps3.xml><?xml version="1.0" encoding="utf-8"?>
+<ds:datastoreItem xmlns:ds="http://schemas.openxmlformats.org/officeDocument/2006/customXml" ds:itemID="{CDB58277-F8DF-46FF-84EC-EF41B835E69F}">
+  <ds:schemaRefs>
+    <ds:schemaRef ds:uri="http://schemas.microsoft.com/sharepoint/v3/contenttype/forms"/>
+  </ds:schemaRefs>
+</ds:datastoreItem>
 </file>